--- a/Principios DRY, KISS, WET, YAGNI.pptx
+++ b/Principios DRY, KISS, WET, YAGNI.pptx
@@ -8,12 +8,12 @@
     <p:sldId id="256" r:id="rId2"/>
     <p:sldId id="258" r:id="rId3"/>
     <p:sldId id="265" r:id="rId4"/>
-    <p:sldId id="261" r:id="rId5"/>
-    <p:sldId id="266" r:id="rId6"/>
-    <p:sldId id="267" r:id="rId7"/>
-    <p:sldId id="268" r:id="rId8"/>
-    <p:sldId id="262" r:id="rId9"/>
-    <p:sldId id="269" r:id="rId10"/>
+    <p:sldId id="262" r:id="rId5"/>
+    <p:sldId id="269" r:id="rId6"/>
+    <p:sldId id="261" r:id="rId7"/>
+    <p:sldId id="266" r:id="rId8"/>
+    <p:sldId id="267" r:id="rId9"/>
+    <p:sldId id="268" r:id="rId10"/>
     <p:sldId id="263" r:id="rId11"/>
     <p:sldId id="270" r:id="rId12"/>
     <p:sldId id="271" r:id="rId13"/>
@@ -225,7 +225,7 @@
           <a:effectLst/>
           <a:extLst>
             <a:ext uri="{91240B29-F687-4f45-9708-019B960494DF}">
-              <a14:hiddenLine xmlns="" xmlns:a14="http://schemas.microsoft.com/office/drawing/2010/main" w="9525">
+              <a14:hiddenLine xmlns:a14="http://schemas.microsoft.com/office/drawing/2010/main" xmlns="" w="9525">
                 <a:solidFill>
                   <a:srgbClr val="000000"/>
                 </a:solidFill>
@@ -1747,7 +1747,7 @@
           <a:ln/>
           <a:extLst>
             <a:ext uri="{91240B29-F687-4f45-9708-019B960494DF}">
-              <a14:hiddenLine xmlns="" xmlns:a14="http://schemas.microsoft.com/office/drawing/2010/main" w="9525">
+              <a14:hiddenLine xmlns:a14="http://schemas.microsoft.com/office/drawing/2010/main" xmlns="" w="9525">
                 <a:solidFill>
                   <a:srgbClr val="000000"/>
                 </a:solidFill>
@@ -2022,7 +2022,7 @@
           <a:ln/>
           <a:extLst>
             <a:ext uri="{91240B29-F687-4f45-9708-019B960494DF}">
-              <a14:hiddenLine xmlns="" xmlns:a14="http://schemas.microsoft.com/office/drawing/2010/main" w="9525">
+              <a14:hiddenLine xmlns:a14="http://schemas.microsoft.com/office/drawing/2010/main" xmlns="" w="9525">
                 <a:solidFill>
                   <a:srgbClr val="000000"/>
                 </a:solidFill>
@@ -2305,7 +2305,7 @@
           <a:ln/>
           <a:extLst>
             <a:ext uri="{91240B29-F687-4f45-9708-019B960494DF}">
-              <a14:hiddenLine xmlns="" xmlns:a14="http://schemas.microsoft.com/office/drawing/2010/main" w="9525">
+              <a14:hiddenLine xmlns:a14="http://schemas.microsoft.com/office/drawing/2010/main" xmlns="" w="9525">
                 <a:solidFill>
                   <a:srgbClr val="000000"/>
                 </a:solidFill>
@@ -2931,7 +2931,7 @@
           <a:ln/>
           <a:extLst>
             <a:ext uri="{91240B29-F687-4f45-9708-019B960494DF}">
-              <a14:hiddenLine xmlns="" xmlns:a14="http://schemas.microsoft.com/office/drawing/2010/main" w="9525">
+              <a14:hiddenLine xmlns:a14="http://schemas.microsoft.com/office/drawing/2010/main" xmlns="" w="9525">
                 <a:solidFill>
                   <a:srgbClr val="000000"/>
                 </a:solidFill>
@@ -3270,7 +3270,7 @@
           <a:ln/>
           <a:extLst>
             <a:ext uri="{91240B29-F687-4f45-9708-019B960494DF}">
-              <a14:hiddenLine xmlns="" xmlns:a14="http://schemas.microsoft.com/office/drawing/2010/main" w="9525">
+              <a14:hiddenLine xmlns:a14="http://schemas.microsoft.com/office/drawing/2010/main" xmlns="" w="9525">
                 <a:solidFill>
                   <a:srgbClr val="000000"/>
                 </a:solidFill>
@@ -3747,7 +3747,7 @@
           <a:ln/>
           <a:extLst>
             <a:ext uri="{91240B29-F687-4f45-9708-019B960494DF}">
-              <a14:hiddenLine xmlns="" xmlns:a14="http://schemas.microsoft.com/office/drawing/2010/main" w="9525">
+              <a14:hiddenLine xmlns:a14="http://schemas.microsoft.com/office/drawing/2010/main" xmlns="" w="9525">
                 <a:solidFill>
                   <a:srgbClr val="000000"/>
                 </a:solidFill>
@@ -4176,7 +4176,7 @@
           <a:ln/>
           <a:extLst>
             <a:ext uri="{91240B29-F687-4f45-9708-019B960494DF}">
-              <a14:hiddenLine xmlns="" xmlns:a14="http://schemas.microsoft.com/office/drawing/2010/main" w="9525">
+              <a14:hiddenLine xmlns:a14="http://schemas.microsoft.com/office/drawing/2010/main" xmlns="" w="9525">
                 <a:solidFill>
                   <a:srgbClr val="000000"/>
                 </a:solidFill>
@@ -5459,14 +5459,27 @@
             <p:ph type="subTitle" idx="1"/>
           </p:nvPr>
         </p:nvSpPr>
-        <p:spPr/>
-        <p:txBody>
-          <a:bodyPr/>
+        <p:spPr>
+          <a:xfrm>
+            <a:off x="810001" y="5280846"/>
+            <a:ext cx="10572000" cy="915767"/>
+          </a:xfrm>
+        </p:spPr>
+        <p:txBody>
+          <a:bodyPr>
+            <a:normAutofit/>
+          </a:bodyPr>
           <a:lstStyle/>
           <a:p>
             <a:r>
               <a:rPr lang="es-CO" dirty="0"/>
-              <a:t>Astrid Duque Ramos</a:t>
+              <a:t>Análisis y Diseño de Sistemas 2</a:t>
+            </a:r>
+          </a:p>
+          <a:p>
+            <a:r>
+              <a:rPr lang="es-CO" dirty="0"/>
+              <a:t>Juan Esteban Salas Flórez</a:t>
             </a:r>
           </a:p>
         </p:txBody>
@@ -5573,13 +5586,8 @@
             </a:r>
             <a:r>
               <a:rPr lang="es-CO" sz="2800" b="1" i="1" dirty="0"/>
-              <a:t> – Mantenlo Sencillo, </a:t>
-            </a:r>
-            <a:r>
-              <a:rPr lang="es-CO" sz="2800" b="1" i="1" dirty="0" err="1"/>
-              <a:t>Estupido</a:t>
-            </a:r>
-            <a:endParaRPr lang="es-CO" sz="2800" b="1" i="1" dirty="0"/>
+              <a:t> – Mantenlo Sencillo y Estúpido</a:t>
+            </a:r>
           </a:p>
         </p:txBody>
       </p:sp>
@@ -6260,7 +6268,7 @@
             </a:r>
             <a:r>
               <a:rPr lang="es-CO" sz="2800" b="1" i="1" dirty="0"/>
-              <a:t> – No vas  a necesitarlo</a:t>
+              <a:t> – No vas a necesitarlo</a:t>
             </a:r>
           </a:p>
         </p:txBody>
@@ -6398,10 +6406,10 @@
             <a:r>
               <a:rPr lang="es-CO" sz="2400" dirty="0">
                 <a:solidFill>
-                  <a:schemeClr val="accent3"/>
+                  <a:schemeClr val="accent1"/>
                 </a:solidFill>
               </a:rPr>
-              <a:t>anti-principio</a:t>
+              <a:t>principio</a:t>
             </a:r>
             <a:r>
               <a:rPr lang="es-CO" sz="2400" dirty="0"/>
@@ -6798,7 +6806,7 @@
         </p:spPr>
         <p:txBody>
           <a:bodyPr>
-            <a:normAutofit/>
+            <a:normAutofit lnSpcReduction="10000"/>
           </a:bodyPr>
           <a:lstStyle/>
           <a:p>
@@ -6830,6 +6838,15 @@
             <a:r>
               <a:rPr lang="es-CO" sz="4800" dirty="0"/>
               <a:t>KISS</a:t>
+            </a:r>
+          </a:p>
+          <a:p>
+            <a:pPr marL="0" indent="0" algn="ctr">
+              <a:buNone/>
+            </a:pPr>
+            <a:r>
+              <a:rPr lang="es-CO" sz="4800" dirty="0"/>
+              <a:t>YAGNI</a:t>
             </a:r>
           </a:p>
         </p:txBody>
@@ -7081,16 +7098,6 @@
             <a:r>
               <a:rPr lang="es-CO" sz="4800" dirty="0"/>
               <a:t>WET</a:t>
-            </a:r>
-          </a:p>
-          <a:p>
-            <a:pPr marL="0" indent="0" algn="ctr">
-              <a:buFont typeface="Wingdings 2" charset="2"/>
-              <a:buNone/>
-            </a:pPr>
-            <a:r>
-              <a:rPr lang="es-CO" sz="4800" dirty="0"/>
-              <a:t>YAGNI</a:t>
             </a:r>
           </a:p>
         </p:txBody>
@@ -7400,7 +7407,7 @@
               <a:rPr lang="es-CO" sz="2000" b="1" dirty="0">
                 <a:latin typeface="Consolas" panose="020B0609020204030204" pitchFamily="49" charset="0"/>
               </a:rPr>
-              <a:t>Juan.salasf@udea.edu.co</a:t>
+              <a:t>juan.salasf@udea.edu.co</a:t>
             </a:r>
           </a:p>
         </p:txBody>
@@ -8070,13 +8077,13 @@
         </p:nvSpPr>
         <p:spPr>
           <a:xfrm>
-            <a:off x="818713" y="2248920"/>
+            <a:off x="6095999" y="2506373"/>
             <a:ext cx="5277287" cy="3636511"/>
           </a:xfrm>
         </p:spPr>
         <p:txBody>
           <a:bodyPr>
-            <a:normAutofit/>
+            <a:normAutofit lnSpcReduction="10000"/>
           </a:bodyPr>
           <a:lstStyle/>
           <a:p>
@@ -8108,6 +8115,15 @@
             <a:r>
               <a:rPr lang="es-CO" sz="4800" dirty="0"/>
               <a:t>KISS</a:t>
+            </a:r>
+          </a:p>
+          <a:p>
+            <a:pPr marL="0" indent="0" algn="ctr">
+              <a:buNone/>
+            </a:pPr>
+            <a:r>
+              <a:rPr lang="es-CO" sz="4800" dirty="0"/>
+              <a:t>YAGNI</a:t>
             </a:r>
           </a:p>
         </p:txBody>
@@ -8128,7 +8144,7 @@
         </p:nvSpPr>
         <p:spPr>
           <a:xfrm>
-            <a:off x="6095999" y="2249935"/>
+            <a:off x="818714" y="2509243"/>
             <a:ext cx="5277287" cy="3636511"/>
           </a:xfrm>
           <a:prstGeom prst="rect">
@@ -8359,16 +8375,6 @@
             <a:r>
               <a:rPr lang="es-CO" sz="4800" dirty="0"/>
               <a:t>WET</a:t>
-            </a:r>
-          </a:p>
-          <a:p>
-            <a:pPr marL="0" indent="0" algn="ctr">
-              <a:buFont typeface="Wingdings 2" charset="2"/>
-              <a:buNone/>
-            </a:pPr>
-            <a:r>
-              <a:rPr lang="es-CO" sz="4800" dirty="0"/>
-              <a:t>YAGNI</a:t>
             </a:r>
           </a:p>
         </p:txBody>
@@ -8426,7 +8432,7 @@
           <a:p>
             <a:r>
               <a:rPr lang="es-CO" sz="16600" dirty="0"/>
-              <a:t>DRY</a:t>
+              <a:t>WET</a:t>
             </a:r>
             <a:endParaRPr lang="es-CO" sz="19900" dirty="0"/>
           </a:p>
@@ -8454,8 +8460,28 @@
           <a:lstStyle/>
           <a:p>
             <a:r>
+              <a:rPr lang="es-CO" sz="2800" b="1" i="1" dirty="0" err="1"/>
+              <a:t>Write</a:t>
+            </a:r>
+            <a:r>
               <a:rPr lang="es-CO" sz="2800" b="1" i="1" dirty="0"/>
-              <a:t>Don’t Repeat Yourself – No te repitas</a:t>
+              <a:t> </a:t>
+            </a:r>
+            <a:r>
+              <a:rPr lang="es-CO" sz="2800" b="1" i="1" dirty="0" err="1"/>
+              <a:t>Everything</a:t>
+            </a:r>
+            <a:r>
+              <a:rPr lang="es-CO" sz="2800" b="1" i="1" dirty="0"/>
+              <a:t> </a:t>
+            </a:r>
+            <a:r>
+              <a:rPr lang="es-CO" sz="2800" b="1" i="1" dirty="0" err="1"/>
+              <a:t>Twice</a:t>
+            </a:r>
+            <a:r>
+              <a:rPr lang="es-CO" sz="2800" b="1" i="1" dirty="0"/>
+              <a:t> – Escribir todo dos veces</a:t>
             </a:r>
           </a:p>
         </p:txBody>
@@ -8463,7 +8489,7 @@
     </p:spTree>
     <p:extLst>
       <p:ext uri="{BB962C8B-B14F-4D97-AF65-F5344CB8AC3E}">
-        <p14:creationId xmlns:p14="http://schemas.microsoft.com/office/powerpoint/2010/main" val="1151173946"/>
+        <p14:creationId xmlns:p14="http://schemas.microsoft.com/office/powerpoint/2010/main" val="2273129098"/>
       </p:ext>
     </p:extLst>
   </p:cSld>
@@ -8513,12 +8539,29 @@
           <a:p>
             <a:r>
               <a:rPr lang="es-CO" dirty="0"/>
-              <a:t>DRY – </a:t>
+              <a:t>WET – </a:t>
+            </a:r>
+            <a:r>
+              <a:rPr lang="es-CO" i="1" dirty="0" err="1"/>
+              <a:t>Write</a:t>
             </a:r>
             <a:r>
               <a:rPr lang="es-CO" i="1" dirty="0"/>
-              <a:t>Don’t Repeat Yourself</a:t>
-            </a:r>
+              <a:t> </a:t>
+            </a:r>
+            <a:r>
+              <a:rPr lang="es-CO" i="1" dirty="0" err="1"/>
+              <a:t>Everything</a:t>
+            </a:r>
+            <a:r>
+              <a:rPr lang="es-CO" i="1" dirty="0"/>
+              <a:t> </a:t>
+            </a:r>
+            <a:r>
+              <a:rPr lang="es-CO" i="1" dirty="0" err="1"/>
+              <a:t>Twice</a:t>
+            </a:r>
+            <a:endParaRPr lang="es-CO" i="1" dirty="0"/>
           </a:p>
         </p:txBody>
       </p:sp>
@@ -8540,8 +8583,8 @@
         </p:nvSpPr>
         <p:spPr>
           <a:xfrm>
-            <a:off x="818712" y="2222287"/>
-            <a:ext cx="10554574" cy="4188525"/>
+            <a:off x="4136994" y="2222287"/>
+            <a:ext cx="7705818" cy="4188525"/>
           </a:xfrm>
         </p:spPr>
         <p:txBody>
@@ -8555,7 +8598,19 @@
             </a:pPr>
             <a:r>
               <a:rPr lang="es-CO" sz="2400" dirty="0"/>
-              <a:t>Este principio invita a aplicar la practica de no repetir el mismo código en el sistema con el fin de que cada pieza:</a:t>
+              <a:t>Este </a:t>
+            </a:r>
+            <a:r>
+              <a:rPr lang="es-CO" sz="2400" b="1" dirty="0">
+                <a:solidFill>
+                  <a:schemeClr val="accent3"/>
+                </a:solidFill>
+              </a:rPr>
+              <a:t>anti-principio</a:t>
+            </a:r>
+            <a:r>
+              <a:rPr lang="es-CO" sz="2400" dirty="0"/>
+              <a:t> hace referencia a disfrutar mucho la escritura de código haciendo que dupliquemos el mismo.</a:t>
             </a:r>
           </a:p>
           <a:p>
@@ -8565,38 +8620,345 @@
             <a:endParaRPr lang="es-CO" sz="2400" dirty="0"/>
           </a:p>
           <a:p>
+            <a:pPr marL="0" indent="0">
+              <a:buNone/>
+            </a:pPr>
             <a:r>
               <a:rPr lang="es-CO" sz="2400" dirty="0"/>
-              <a:t>Sea única</a:t>
-            </a:r>
-          </a:p>
-          <a:p>
+              <a:t>Es todo lo contrario al visto anteriormente </a:t>
+            </a:r>
+            <a:r>
+              <a:rPr lang="es-CO" sz="2400" b="1" dirty="0"/>
+              <a:t>(DRY)</a:t>
+            </a:r>
+          </a:p>
+          <a:p>
+            <a:pPr marL="0" indent="0">
+              <a:buNone/>
+            </a:pPr>
+            <a:endParaRPr lang="es-CO" sz="2400" b="1" dirty="0"/>
+          </a:p>
+          <a:p>
+            <a:pPr marL="0" indent="0">
+              <a:buNone/>
+            </a:pPr>
             <a:r>
               <a:rPr lang="es-CO" sz="2400" dirty="0"/>
-              <a:t>No ambigua</a:t>
-            </a:r>
-          </a:p>
-          <a:p>
-            <a:r>
-              <a:rPr lang="es-CO" sz="2400" dirty="0"/>
-              <a:t>Tenga una responsabilidad única</a:t>
-            </a:r>
-          </a:p>
-          <a:p>
-            <a:r>
-              <a:rPr lang="es-CO" sz="2400" dirty="0"/>
-              <a:t>No se repita</a:t>
-            </a:r>
-          </a:p>
-          <a:p>
+              <a:t>¡ Siempre debemos evitarlo !</a:t>
+            </a:r>
+          </a:p>
+          <a:p>
+            <a:pPr marL="0" indent="0">
+              <a:buNone/>
+            </a:pPr>
             <a:endParaRPr lang="es-CO" sz="2400" dirty="0"/>
+          </a:p>
+        </p:txBody>
+      </p:sp>
+      <p:sp>
+        <p:nvSpPr>
+          <p:cNvPr id="6" name="Marcador de contenido 4">
+            <a:extLst>
+              <a:ext uri="{FF2B5EF4-FFF2-40B4-BE49-F238E27FC236}">
+                <a16:creationId xmlns:a16="http://schemas.microsoft.com/office/drawing/2014/main" id="{F7B352EB-1CD0-C4B1-5ADE-3EA27E127F6D}"/>
+              </a:ext>
+            </a:extLst>
+          </p:cNvPr>
+          <p:cNvSpPr txBox="1">
+            <a:spLocks/>
+          </p:cNvSpPr>
+          <p:nvPr/>
+        </p:nvSpPr>
+        <p:spPr>
+          <a:xfrm>
+            <a:off x="349188" y="2222286"/>
+            <a:ext cx="3414944" cy="4188525"/>
+          </a:xfrm>
+          <a:prstGeom prst="rect">
+            <a:avLst/>
+          </a:prstGeom>
+          <a:effectLst>
+            <a:outerShdw blurRad="50800" dir="14400000">
+              <a:srgbClr val="000000">
+                <a:alpha val="40000"/>
+              </a:srgbClr>
+            </a:outerShdw>
+          </a:effectLst>
+        </p:spPr>
+        <p:txBody>
+          <a:bodyPr vert="horz" lIns="91440" tIns="45720" rIns="91440" bIns="45720" rtlCol="0" anchor="ctr">
+            <a:normAutofit/>
+          </a:bodyPr>
+          <a:lstStyle>
+            <a:lvl1pPr marL="342900" indent="-342900" algn="l" defTabSz="457200" rtl="0" eaLnBrk="1" latinLnBrk="0" hangingPunct="1">
+              <a:spcBef>
+                <a:spcPct val="20000"/>
+              </a:spcBef>
+              <a:spcAft>
+                <a:spcPts val="600"/>
+              </a:spcAft>
+              <a:buClr>
+                <a:schemeClr val="accent1"/>
+              </a:buClr>
+              <a:buFont typeface="Wingdings 2" charset="2"/>
+              <a:buChar char=""/>
+              <a:defRPr sz="1800" kern="1200">
+                <a:solidFill>
+                  <a:schemeClr val="tx1"/>
+                </a:solidFill>
+                <a:latin typeface="+mn-lt"/>
+                <a:ea typeface="+mn-ea"/>
+                <a:cs typeface="+mn-cs"/>
+              </a:defRPr>
+            </a:lvl1pPr>
+            <a:lvl2pPr marL="742950" indent="-285750" algn="l" defTabSz="457200" rtl="0" eaLnBrk="1" latinLnBrk="0" hangingPunct="1">
+              <a:spcBef>
+                <a:spcPct val="20000"/>
+              </a:spcBef>
+              <a:spcAft>
+                <a:spcPts val="600"/>
+              </a:spcAft>
+              <a:buClr>
+                <a:schemeClr val="accent1"/>
+              </a:buClr>
+              <a:buFont typeface="Wingdings 2" charset="2"/>
+              <a:buChar char=""/>
+              <a:defRPr sz="1600" kern="1200">
+                <a:solidFill>
+                  <a:schemeClr val="tx1"/>
+                </a:solidFill>
+                <a:latin typeface="+mn-lt"/>
+                <a:ea typeface="+mn-ea"/>
+                <a:cs typeface="+mn-cs"/>
+              </a:defRPr>
+            </a:lvl2pPr>
+            <a:lvl3pPr marL="1143000" indent="-228600" algn="l" defTabSz="457200" rtl="0" eaLnBrk="1" latinLnBrk="0" hangingPunct="1">
+              <a:spcBef>
+                <a:spcPct val="20000"/>
+              </a:spcBef>
+              <a:spcAft>
+                <a:spcPts val="600"/>
+              </a:spcAft>
+              <a:buClr>
+                <a:schemeClr val="accent1"/>
+              </a:buClr>
+              <a:buFont typeface="Wingdings 2" charset="2"/>
+              <a:buChar char=""/>
+              <a:defRPr sz="1400" kern="1200">
+                <a:solidFill>
+                  <a:schemeClr val="tx1"/>
+                </a:solidFill>
+                <a:latin typeface="+mn-lt"/>
+                <a:ea typeface="+mn-ea"/>
+                <a:cs typeface="+mn-cs"/>
+              </a:defRPr>
+            </a:lvl3pPr>
+            <a:lvl4pPr marL="1600200" indent="-228600" algn="l" defTabSz="457200" rtl="0" eaLnBrk="1" latinLnBrk="0" hangingPunct="1">
+              <a:spcBef>
+                <a:spcPct val="20000"/>
+              </a:spcBef>
+              <a:spcAft>
+                <a:spcPts val="600"/>
+              </a:spcAft>
+              <a:buClr>
+                <a:schemeClr val="accent1"/>
+              </a:buClr>
+              <a:buFont typeface="Wingdings 2" charset="2"/>
+              <a:buChar char=""/>
+              <a:defRPr sz="1200" kern="1200">
+                <a:solidFill>
+                  <a:schemeClr val="tx1"/>
+                </a:solidFill>
+                <a:latin typeface="+mn-lt"/>
+                <a:ea typeface="+mn-ea"/>
+                <a:cs typeface="+mn-cs"/>
+              </a:defRPr>
+            </a:lvl4pPr>
+            <a:lvl5pPr marL="2057400" indent="-228600" algn="l" defTabSz="457200" rtl="0" eaLnBrk="1" latinLnBrk="0" hangingPunct="1">
+              <a:spcBef>
+                <a:spcPct val="20000"/>
+              </a:spcBef>
+              <a:spcAft>
+                <a:spcPts val="600"/>
+              </a:spcAft>
+              <a:buClr>
+                <a:schemeClr val="accent1"/>
+              </a:buClr>
+              <a:buFont typeface="Wingdings 2" charset="2"/>
+              <a:buChar char=""/>
+              <a:defRPr sz="1200" kern="1200">
+                <a:solidFill>
+                  <a:schemeClr val="tx1"/>
+                </a:solidFill>
+                <a:latin typeface="+mn-lt"/>
+                <a:ea typeface="+mn-ea"/>
+                <a:cs typeface="+mn-cs"/>
+              </a:defRPr>
+            </a:lvl5pPr>
+            <a:lvl6pPr marL="2400000" indent="-228600" algn="l" defTabSz="457200" rtl="0" eaLnBrk="1" latinLnBrk="0" hangingPunct="1">
+              <a:spcBef>
+                <a:spcPct val="20000"/>
+              </a:spcBef>
+              <a:spcAft>
+                <a:spcPts val="600"/>
+              </a:spcAft>
+              <a:buClr>
+                <a:schemeClr val="accent1"/>
+              </a:buClr>
+              <a:buFont typeface="Wingdings 2" charset="2"/>
+              <a:buChar char=""/>
+              <a:defRPr sz="1200" kern="1200">
+                <a:solidFill>
+                  <a:schemeClr val="tx1"/>
+                </a:solidFill>
+                <a:latin typeface="+mn-lt"/>
+                <a:ea typeface="+mn-ea"/>
+                <a:cs typeface="+mn-cs"/>
+              </a:defRPr>
+            </a:lvl6pPr>
+            <a:lvl7pPr marL="2800000" indent="-228600" algn="l" defTabSz="457200" rtl="0" eaLnBrk="1" latinLnBrk="0" hangingPunct="1">
+              <a:spcBef>
+                <a:spcPct val="20000"/>
+              </a:spcBef>
+              <a:spcAft>
+                <a:spcPts val="600"/>
+              </a:spcAft>
+              <a:buClr>
+                <a:schemeClr val="accent1"/>
+              </a:buClr>
+              <a:buFont typeface="Wingdings 2" charset="2"/>
+              <a:buChar char=""/>
+              <a:defRPr sz="1200" kern="1200">
+                <a:solidFill>
+                  <a:schemeClr val="tx1"/>
+                </a:solidFill>
+                <a:latin typeface="+mn-lt"/>
+                <a:ea typeface="+mn-ea"/>
+                <a:cs typeface="+mn-cs"/>
+              </a:defRPr>
+            </a:lvl7pPr>
+            <a:lvl8pPr marL="3200000" indent="-228600" algn="l" defTabSz="457200" rtl="0" eaLnBrk="1" latinLnBrk="0" hangingPunct="1">
+              <a:spcBef>
+                <a:spcPct val="20000"/>
+              </a:spcBef>
+              <a:spcAft>
+                <a:spcPts val="600"/>
+              </a:spcAft>
+              <a:buClr>
+                <a:schemeClr val="accent1"/>
+              </a:buClr>
+              <a:buFont typeface="Wingdings 2" charset="2"/>
+              <a:buChar char=""/>
+              <a:defRPr sz="1200" kern="1200">
+                <a:solidFill>
+                  <a:schemeClr val="tx1"/>
+                </a:solidFill>
+                <a:latin typeface="+mn-lt"/>
+                <a:ea typeface="+mn-ea"/>
+                <a:cs typeface="+mn-cs"/>
+              </a:defRPr>
+            </a:lvl8pPr>
+            <a:lvl9pPr marL="3600000" indent="-228600" algn="l" defTabSz="457200" rtl="0" eaLnBrk="1" latinLnBrk="0" hangingPunct="1">
+              <a:spcBef>
+                <a:spcPct val="20000"/>
+              </a:spcBef>
+              <a:spcAft>
+                <a:spcPts val="600"/>
+              </a:spcAft>
+              <a:buClr>
+                <a:schemeClr val="accent1"/>
+              </a:buClr>
+              <a:buFont typeface="Wingdings 2" charset="2"/>
+              <a:buChar char=""/>
+              <a:defRPr sz="1200" kern="1200">
+                <a:solidFill>
+                  <a:schemeClr val="tx1"/>
+                </a:solidFill>
+                <a:latin typeface="+mn-lt"/>
+                <a:ea typeface="+mn-ea"/>
+                <a:cs typeface="+mn-cs"/>
+              </a:defRPr>
+            </a:lvl9pPr>
+          </a:lstStyle>
+          <a:p>
+            <a:pPr marL="0" indent="0" algn="ctr">
+              <a:buNone/>
+            </a:pPr>
+            <a:r>
+              <a:rPr lang="es-CO" sz="2000" b="1" dirty="0" err="1"/>
+              <a:t>Write</a:t>
+            </a:r>
+            <a:r>
+              <a:rPr lang="es-CO" sz="2000" b="1" dirty="0"/>
+              <a:t> </a:t>
+            </a:r>
+            <a:r>
+              <a:rPr lang="es-CO" sz="2000" b="1" dirty="0" err="1"/>
+              <a:t>Everything</a:t>
+            </a:r>
+            <a:r>
+              <a:rPr lang="es-CO" sz="2000" b="1" dirty="0"/>
+              <a:t> </a:t>
+            </a:r>
+            <a:r>
+              <a:rPr lang="es-CO" sz="2000" b="1" dirty="0" err="1"/>
+              <a:t>Twice</a:t>
+            </a:r>
+            <a:endParaRPr lang="es-CO" sz="2000" b="1" dirty="0"/>
+          </a:p>
+          <a:p>
+            <a:pPr marL="0" indent="0" algn="ctr">
+              <a:buNone/>
+            </a:pPr>
+            <a:r>
+              <a:rPr lang="es-CO" sz="2000" b="1" dirty="0" err="1"/>
+              <a:t>Write</a:t>
+            </a:r>
+            <a:r>
+              <a:rPr lang="es-CO" sz="2000" b="1" dirty="0"/>
+              <a:t> </a:t>
+            </a:r>
+            <a:r>
+              <a:rPr lang="es-CO" sz="2000" b="1" dirty="0" err="1"/>
+              <a:t>Every</a:t>
+            </a:r>
+            <a:r>
+              <a:rPr lang="es-CO" sz="2000" b="1" dirty="0"/>
+              <a:t> Time</a:t>
+            </a:r>
+          </a:p>
+          <a:p>
+            <a:pPr marL="0" indent="0" algn="ctr">
+              <a:buNone/>
+            </a:pPr>
+            <a:r>
+              <a:rPr lang="es-CO" sz="2000" b="1" dirty="0" err="1"/>
+              <a:t>We</a:t>
+            </a:r>
+            <a:r>
+              <a:rPr lang="es-CO" sz="2000" b="1" dirty="0"/>
+              <a:t> </a:t>
+            </a:r>
+            <a:r>
+              <a:rPr lang="es-CO" sz="2000" b="1" dirty="0" err="1"/>
+              <a:t>Enjoy</a:t>
+            </a:r>
+            <a:r>
+              <a:rPr lang="es-CO" sz="2000" b="1" dirty="0"/>
+              <a:t> </a:t>
+            </a:r>
+            <a:r>
+              <a:rPr lang="es-CO" sz="2000" b="1" dirty="0" err="1"/>
+              <a:t>Typing</a:t>
+            </a:r>
+            <a:endParaRPr lang="es-CO" sz="2000" b="1" dirty="0"/>
           </a:p>
         </p:txBody>
       </p:sp>
     </p:spTree>
     <p:extLst>
       <p:ext uri="{BB962C8B-B14F-4D97-AF65-F5344CB8AC3E}">
-        <p14:creationId xmlns:p14="http://schemas.microsoft.com/office/powerpoint/2010/main" val="2650043420"/>
+        <p14:creationId xmlns:p14="http://schemas.microsoft.com/office/powerpoint/2010/main" val="418944626"/>
       </p:ext>
     </p:extLst>
   </p:cSld>
@@ -8625,10 +8987,10 @@
       </p:grpSpPr>
       <p:sp>
         <p:nvSpPr>
-          <p:cNvPr id="2" name="Título 1">
+          <p:cNvPr id="4" name="Título 3">
             <a:extLst>
               <a:ext uri="{FF2B5EF4-FFF2-40B4-BE49-F238E27FC236}">
-                <a16:creationId xmlns:a16="http://schemas.microsoft.com/office/drawing/2014/main" id="{6F89AB99-B372-7BE5-4851-19106E33637E}"/>
+                <a16:creationId xmlns:a16="http://schemas.microsoft.com/office/drawing/2014/main" id="{71C33BCE-43D4-6FA3-7097-5839A519B9FC}"/>
               </a:ext>
             </a:extLst>
           </p:cNvPr>
@@ -8645,23 +9007,19 @@
           <a:lstStyle/>
           <a:p>
             <a:r>
-              <a:rPr lang="es-CO" dirty="0"/>
-              <a:t>DRY – </a:t>
-            </a:r>
-            <a:r>
-              <a:rPr lang="es-CO" i="1" dirty="0"/>
-              <a:t>Don’t Repeat Yourself</a:t>
-            </a:r>
-            <a:endParaRPr lang="es-CO" dirty="0"/>
-          </a:p>
-        </p:txBody>
-      </p:sp>
-      <p:sp>
-        <p:nvSpPr>
-          <p:cNvPr id="3" name="Marcador de contenido 2">
+              <a:rPr lang="es-CO" sz="16600" dirty="0"/>
+              <a:t>DRY</a:t>
+            </a:r>
+            <a:endParaRPr lang="es-CO" sz="19900" dirty="0"/>
+          </a:p>
+        </p:txBody>
+      </p:sp>
+      <p:sp>
+        <p:nvSpPr>
+          <p:cNvPr id="5" name="Marcador de texto 4">
             <a:extLst>
               <a:ext uri="{FF2B5EF4-FFF2-40B4-BE49-F238E27FC236}">
-                <a16:creationId xmlns:a16="http://schemas.microsoft.com/office/drawing/2014/main" id="{BCF48790-E434-15D6-761E-E68F7814F027}"/>
+                <a16:creationId xmlns:a16="http://schemas.microsoft.com/office/drawing/2014/main" id="{31C9472C-1E3E-E2A6-206E-191790DE197C}"/>
               </a:ext>
             </a:extLst>
           </p:cNvPr>
@@ -8669,55 +9027,17 @@
             <a:spLocks noGrp="1"/>
           </p:cNvSpPr>
           <p:nvPr>
-            <p:ph idx="1"/>
-          </p:nvPr>
-        </p:nvSpPr>
-        <p:spPr>
-          <a:xfrm>
-            <a:off x="2459114" y="2231165"/>
-            <a:ext cx="5166804" cy="3636511"/>
-          </a:xfrm>
-        </p:spPr>
-        <p:txBody>
-          <a:bodyPr>
-            <a:normAutofit/>
-          </a:bodyPr>
+            <p:ph type="body" idx="1"/>
+          </p:nvPr>
+        </p:nvSpPr>
+        <p:spPr/>
+        <p:txBody>
+          <a:bodyPr/>
           <a:lstStyle/>
           <a:p>
-            <a:pPr marL="0" indent="0">
-              <a:buNone/>
-            </a:pPr>
-            <a:r>
-              <a:rPr lang="es-CO" sz="4000" dirty="0">
-                <a:solidFill>
-                  <a:schemeClr val="accent1"/>
-                </a:solidFill>
-              </a:rPr>
-              <a:t>Ventajas</a:t>
-            </a:r>
-          </a:p>
-          <a:p>
-            <a:r>
-              <a:rPr lang="es-CO" sz="2400" dirty="0"/>
-              <a:t>Mantenibilidad del código</a:t>
-            </a:r>
-          </a:p>
-          <a:p>
-            <a:r>
-              <a:rPr lang="es-CO" sz="2400" dirty="0"/>
-              <a:t>Legibilidad</a:t>
-            </a:r>
-          </a:p>
-          <a:p>
-            <a:r>
-              <a:rPr lang="es-CO" sz="2400" dirty="0"/>
-              <a:t>Testeabilidad</a:t>
-            </a:r>
-          </a:p>
-          <a:p>
-            <a:r>
-              <a:rPr lang="es-CO" sz="2400" dirty="0"/>
-              <a:t>Reusabilidad</a:t>
+            <a:r>
+              <a:rPr lang="es-CO" sz="2800" b="1" i="1" dirty="0"/>
+              <a:t>Don’t Repeat Yourself – No te repitas</a:t>
             </a:r>
           </a:p>
         </p:txBody>
@@ -8725,7 +9045,7 @@
     </p:spTree>
     <p:extLst>
       <p:ext uri="{BB962C8B-B14F-4D97-AF65-F5344CB8AC3E}">
-        <p14:creationId xmlns:p14="http://schemas.microsoft.com/office/powerpoint/2010/main" val="2812713859"/>
+        <p14:creationId xmlns:p14="http://schemas.microsoft.com/office/powerpoint/2010/main" val="1151173946"/>
       </p:ext>
     </p:extLst>
   </p:cSld>
@@ -8754,242 +9074,111 @@
       </p:grpSpPr>
       <p:sp>
         <p:nvSpPr>
-          <p:cNvPr id="4" name="Marcador de contenido 4">
+          <p:cNvPr id="4" name="Título 3">
             <a:extLst>
               <a:ext uri="{FF2B5EF4-FFF2-40B4-BE49-F238E27FC236}">
-                <a16:creationId xmlns:a16="http://schemas.microsoft.com/office/drawing/2014/main" id="{B79CB751-1C4E-EE4E-8E2E-929CCB348EE5}"/>
+                <a16:creationId xmlns:a16="http://schemas.microsoft.com/office/drawing/2014/main" id="{0447827C-E6B0-A175-A9F2-98D382EC7689}"/>
               </a:ext>
             </a:extLst>
           </p:cNvPr>
-          <p:cNvSpPr txBox="1">
-            <a:spLocks/>
-          </p:cNvSpPr>
-          <p:nvPr/>
+          <p:cNvSpPr>
+            <a:spLocks noGrp="1"/>
+          </p:cNvSpPr>
+          <p:nvPr>
+            <p:ph type="title"/>
+          </p:nvPr>
+        </p:nvSpPr>
+        <p:spPr/>
+        <p:txBody>
+          <a:bodyPr/>
+          <a:lstStyle/>
+          <a:p>
+            <a:r>
+              <a:rPr lang="es-CO" dirty="0"/>
+              <a:t>DRY – </a:t>
+            </a:r>
+            <a:r>
+              <a:rPr lang="es-CO" i="1" dirty="0"/>
+              <a:t>Don’t Repeat Yourself</a:t>
+            </a:r>
+          </a:p>
+        </p:txBody>
+      </p:sp>
+      <p:sp>
+        <p:nvSpPr>
+          <p:cNvPr id="5" name="Marcador de contenido 4">
+            <a:extLst>
+              <a:ext uri="{FF2B5EF4-FFF2-40B4-BE49-F238E27FC236}">
+                <a16:creationId xmlns:a16="http://schemas.microsoft.com/office/drawing/2014/main" id="{77F4C375-7A02-DFB7-A09A-31E4C3E68C9F}"/>
+              </a:ext>
+            </a:extLst>
+          </p:cNvPr>
+          <p:cNvSpPr>
+            <a:spLocks noGrp="1"/>
+          </p:cNvSpPr>
+          <p:nvPr>
+            <p:ph idx="1"/>
+          </p:nvPr>
         </p:nvSpPr>
         <p:spPr>
           <a:xfrm>
-            <a:off x="3457356" y="1610744"/>
-            <a:ext cx="5277287" cy="3636511"/>
+            <a:off x="818712" y="2222287"/>
+            <a:ext cx="10554574" cy="4188525"/>
           </a:xfrm>
-          <a:prstGeom prst="rect">
-            <a:avLst/>
-          </a:prstGeom>
         </p:spPr>
         <p:txBody>
-          <a:bodyPr anchor="ctr">
+          <a:bodyPr>
             <a:normAutofit/>
           </a:bodyPr>
-          <a:lstStyle>
-            <a:lvl1pPr marL="342900" indent="-342900" algn="l" defTabSz="457200" rtl="0" eaLnBrk="1" latinLnBrk="0" hangingPunct="1">
-              <a:spcBef>
-                <a:spcPct val="20000"/>
-              </a:spcBef>
-              <a:spcAft>
-                <a:spcPts val="600"/>
-              </a:spcAft>
-              <a:buClr>
-                <a:schemeClr val="accent1"/>
-              </a:buClr>
-              <a:buFont typeface="Wingdings 2" charset="2"/>
-              <a:buChar char=""/>
-              <a:defRPr sz="1800" kern="1200">
-                <a:solidFill>
-                  <a:schemeClr val="tx1"/>
-                </a:solidFill>
-                <a:latin typeface="+mn-lt"/>
-                <a:ea typeface="+mn-ea"/>
-                <a:cs typeface="+mn-cs"/>
-              </a:defRPr>
-            </a:lvl1pPr>
-            <a:lvl2pPr marL="742950" indent="-285750" algn="l" defTabSz="457200" rtl="0" eaLnBrk="1" latinLnBrk="0" hangingPunct="1">
-              <a:spcBef>
-                <a:spcPct val="20000"/>
-              </a:spcBef>
-              <a:spcAft>
-                <a:spcPts val="600"/>
-              </a:spcAft>
-              <a:buClr>
-                <a:schemeClr val="accent1"/>
-              </a:buClr>
-              <a:buFont typeface="Wingdings 2" charset="2"/>
-              <a:buChar char=""/>
-              <a:defRPr sz="1600" kern="1200">
-                <a:solidFill>
-                  <a:schemeClr val="tx1"/>
-                </a:solidFill>
-                <a:latin typeface="+mn-lt"/>
-                <a:ea typeface="+mn-ea"/>
-                <a:cs typeface="+mn-cs"/>
-              </a:defRPr>
-            </a:lvl2pPr>
-            <a:lvl3pPr marL="1143000" indent="-228600" algn="l" defTabSz="457200" rtl="0" eaLnBrk="1" latinLnBrk="0" hangingPunct="1">
-              <a:spcBef>
-                <a:spcPct val="20000"/>
-              </a:spcBef>
-              <a:spcAft>
-                <a:spcPts val="600"/>
-              </a:spcAft>
-              <a:buClr>
-                <a:schemeClr val="accent1"/>
-              </a:buClr>
-              <a:buFont typeface="Wingdings 2" charset="2"/>
-              <a:buChar char=""/>
-              <a:defRPr sz="1400" kern="1200">
-                <a:solidFill>
-                  <a:schemeClr val="tx1"/>
-                </a:solidFill>
-                <a:latin typeface="+mn-lt"/>
-                <a:ea typeface="+mn-ea"/>
-                <a:cs typeface="+mn-cs"/>
-              </a:defRPr>
-            </a:lvl3pPr>
-            <a:lvl4pPr marL="1600200" indent="-228600" algn="l" defTabSz="457200" rtl="0" eaLnBrk="1" latinLnBrk="0" hangingPunct="1">
-              <a:spcBef>
-                <a:spcPct val="20000"/>
-              </a:spcBef>
-              <a:spcAft>
-                <a:spcPts val="600"/>
-              </a:spcAft>
-              <a:buClr>
-                <a:schemeClr val="accent1"/>
-              </a:buClr>
-              <a:buFont typeface="Wingdings 2" charset="2"/>
-              <a:buChar char=""/>
-              <a:defRPr sz="1200" kern="1200">
-                <a:solidFill>
-                  <a:schemeClr val="tx1"/>
-                </a:solidFill>
-                <a:latin typeface="+mn-lt"/>
-                <a:ea typeface="+mn-ea"/>
-                <a:cs typeface="+mn-cs"/>
-              </a:defRPr>
-            </a:lvl4pPr>
-            <a:lvl5pPr marL="2057400" indent="-228600" algn="l" defTabSz="457200" rtl="0" eaLnBrk="1" latinLnBrk="0" hangingPunct="1">
-              <a:spcBef>
-                <a:spcPct val="20000"/>
-              </a:spcBef>
-              <a:spcAft>
-                <a:spcPts val="600"/>
-              </a:spcAft>
-              <a:buClr>
-                <a:schemeClr val="accent1"/>
-              </a:buClr>
-              <a:buFont typeface="Wingdings 2" charset="2"/>
-              <a:buChar char=""/>
-              <a:defRPr sz="1200" kern="1200">
-                <a:solidFill>
-                  <a:schemeClr val="tx1"/>
-                </a:solidFill>
-                <a:latin typeface="+mn-lt"/>
-                <a:ea typeface="+mn-ea"/>
-                <a:cs typeface="+mn-cs"/>
-              </a:defRPr>
-            </a:lvl5pPr>
-            <a:lvl6pPr marL="2400000" indent="-228600" algn="l" defTabSz="457200" rtl="0" eaLnBrk="1" latinLnBrk="0" hangingPunct="1">
-              <a:spcBef>
-                <a:spcPct val="20000"/>
-              </a:spcBef>
-              <a:spcAft>
-                <a:spcPts val="600"/>
-              </a:spcAft>
-              <a:buClr>
-                <a:schemeClr val="accent1"/>
-              </a:buClr>
-              <a:buFont typeface="Wingdings 2" charset="2"/>
-              <a:buChar char=""/>
-              <a:defRPr sz="1200" kern="1200">
-                <a:solidFill>
-                  <a:schemeClr val="tx1"/>
-                </a:solidFill>
-                <a:latin typeface="+mn-lt"/>
-                <a:ea typeface="+mn-ea"/>
-                <a:cs typeface="+mn-cs"/>
-              </a:defRPr>
-            </a:lvl6pPr>
-            <a:lvl7pPr marL="2800000" indent="-228600" algn="l" defTabSz="457200" rtl="0" eaLnBrk="1" latinLnBrk="0" hangingPunct="1">
-              <a:spcBef>
-                <a:spcPct val="20000"/>
-              </a:spcBef>
-              <a:spcAft>
-                <a:spcPts val="600"/>
-              </a:spcAft>
-              <a:buClr>
-                <a:schemeClr val="accent1"/>
-              </a:buClr>
-              <a:buFont typeface="Wingdings 2" charset="2"/>
-              <a:buChar char=""/>
-              <a:defRPr sz="1200" kern="1200">
-                <a:solidFill>
-                  <a:schemeClr val="tx1"/>
-                </a:solidFill>
-                <a:latin typeface="+mn-lt"/>
-                <a:ea typeface="+mn-ea"/>
-                <a:cs typeface="+mn-cs"/>
-              </a:defRPr>
-            </a:lvl7pPr>
-            <a:lvl8pPr marL="3200000" indent="-228600" algn="l" defTabSz="457200" rtl="0" eaLnBrk="1" latinLnBrk="0" hangingPunct="1">
-              <a:spcBef>
-                <a:spcPct val="20000"/>
-              </a:spcBef>
-              <a:spcAft>
-                <a:spcPts val="600"/>
-              </a:spcAft>
-              <a:buClr>
-                <a:schemeClr val="accent1"/>
-              </a:buClr>
-              <a:buFont typeface="Wingdings 2" charset="2"/>
-              <a:buChar char=""/>
-              <a:defRPr sz="1200" kern="1200">
-                <a:solidFill>
-                  <a:schemeClr val="tx1"/>
-                </a:solidFill>
-                <a:latin typeface="+mn-lt"/>
-                <a:ea typeface="+mn-ea"/>
-                <a:cs typeface="+mn-cs"/>
-              </a:defRPr>
-            </a:lvl8pPr>
-            <a:lvl9pPr marL="3600000" indent="-228600" algn="l" defTabSz="457200" rtl="0" eaLnBrk="1" latinLnBrk="0" hangingPunct="1">
-              <a:spcBef>
-                <a:spcPct val="20000"/>
-              </a:spcBef>
-              <a:spcAft>
-                <a:spcPts val="600"/>
-              </a:spcAft>
-              <a:buClr>
-                <a:schemeClr val="accent1"/>
-              </a:buClr>
-              <a:buFont typeface="Wingdings 2" charset="2"/>
-              <a:buChar char=""/>
-              <a:defRPr sz="1200" kern="1200">
-                <a:solidFill>
-                  <a:schemeClr val="tx1"/>
-                </a:solidFill>
-                <a:latin typeface="+mn-lt"/>
-                <a:ea typeface="+mn-ea"/>
-                <a:cs typeface="+mn-cs"/>
-              </a:defRPr>
-            </a:lvl9pPr>
-          </a:lstStyle>
-          <a:p>
-            <a:pPr marL="0" indent="0" algn="ctr">
-              <a:buFont typeface="Wingdings 2" charset="2"/>
+          <a:lstStyle/>
+          <a:p>
+            <a:pPr marL="0" indent="0">
               <a:buNone/>
             </a:pPr>
             <a:r>
-              <a:rPr lang="es-CO" sz="8000" b="1" dirty="0">
-                <a:solidFill>
-                  <a:schemeClr val="accent1"/>
-                </a:solidFill>
-              </a:rPr>
-              <a:t>Ejemplo Practico</a:t>
-            </a:r>
+              <a:rPr lang="es-CO" sz="2400" dirty="0"/>
+              <a:t>Este principio invita a aplicar la practica de no repetir el mismo código en el sistema con el fin de que cada pieza:</a:t>
+            </a:r>
+          </a:p>
+          <a:p>
+            <a:pPr marL="0" indent="0">
+              <a:buNone/>
+            </a:pPr>
+            <a:endParaRPr lang="es-CO" sz="2400" dirty="0"/>
+          </a:p>
+          <a:p>
+            <a:r>
+              <a:rPr lang="es-CO" sz="2400" dirty="0"/>
+              <a:t>Sea única</a:t>
+            </a:r>
+          </a:p>
+          <a:p>
+            <a:r>
+              <a:rPr lang="es-CO" sz="2400" dirty="0"/>
+              <a:t>No ambigua</a:t>
+            </a:r>
+          </a:p>
+          <a:p>
+            <a:r>
+              <a:rPr lang="es-CO" sz="2400" dirty="0"/>
+              <a:t>Tenga una responsabilidad única</a:t>
+            </a:r>
+          </a:p>
+          <a:p>
+            <a:r>
+              <a:rPr lang="es-CO" sz="2400" dirty="0"/>
+              <a:t>No se repita</a:t>
+            </a:r>
+          </a:p>
+          <a:p>
+            <a:endParaRPr lang="es-CO" sz="2400" dirty="0"/>
           </a:p>
         </p:txBody>
       </p:sp>
     </p:spTree>
     <p:extLst>
       <p:ext uri="{BB962C8B-B14F-4D97-AF65-F5344CB8AC3E}">
-        <p14:creationId xmlns:p14="http://schemas.microsoft.com/office/powerpoint/2010/main" val="3789283894"/>
+        <p14:creationId xmlns:p14="http://schemas.microsoft.com/office/powerpoint/2010/main" val="2650043420"/>
       </p:ext>
     </p:extLst>
   </p:cSld>
@@ -9018,10 +9207,10 @@
       </p:grpSpPr>
       <p:sp>
         <p:nvSpPr>
-          <p:cNvPr id="4" name="Título 3">
+          <p:cNvPr id="2" name="Título 1">
             <a:extLst>
               <a:ext uri="{FF2B5EF4-FFF2-40B4-BE49-F238E27FC236}">
-                <a16:creationId xmlns:a16="http://schemas.microsoft.com/office/drawing/2014/main" id="{71C33BCE-43D4-6FA3-7097-5839A519B9FC}"/>
+                <a16:creationId xmlns:a16="http://schemas.microsoft.com/office/drawing/2014/main" id="{6F89AB99-B372-7BE5-4851-19106E33637E}"/>
               </a:ext>
             </a:extLst>
           </p:cNvPr>
@@ -9038,19 +9227,23 @@
           <a:lstStyle/>
           <a:p>
             <a:r>
-              <a:rPr lang="es-CO" sz="16600" dirty="0"/>
-              <a:t>WET</a:t>
-            </a:r>
-            <a:endParaRPr lang="es-CO" sz="19900" dirty="0"/>
-          </a:p>
-        </p:txBody>
-      </p:sp>
-      <p:sp>
-        <p:nvSpPr>
-          <p:cNvPr id="5" name="Marcador de texto 4">
+              <a:rPr lang="es-CO" dirty="0"/>
+              <a:t>DRY – </a:t>
+            </a:r>
+            <a:r>
+              <a:rPr lang="es-CO" i="1" dirty="0"/>
+              <a:t>Don’t Repeat Yourself</a:t>
+            </a:r>
+            <a:endParaRPr lang="es-CO" dirty="0"/>
+          </a:p>
+        </p:txBody>
+      </p:sp>
+      <p:sp>
+        <p:nvSpPr>
+          <p:cNvPr id="3" name="Marcador de contenido 2">
             <a:extLst>
               <a:ext uri="{FF2B5EF4-FFF2-40B4-BE49-F238E27FC236}">
-                <a16:creationId xmlns:a16="http://schemas.microsoft.com/office/drawing/2014/main" id="{31C9472C-1E3E-E2A6-206E-191790DE197C}"/>
+                <a16:creationId xmlns:a16="http://schemas.microsoft.com/office/drawing/2014/main" id="{BCF48790-E434-15D6-761E-E68F7814F027}"/>
               </a:ext>
             </a:extLst>
           </p:cNvPr>
@@ -9058,37 +9251,55 @@
             <a:spLocks noGrp="1"/>
           </p:cNvSpPr>
           <p:nvPr>
-            <p:ph type="body" idx="1"/>
-          </p:nvPr>
-        </p:nvSpPr>
-        <p:spPr/>
-        <p:txBody>
-          <a:bodyPr/>
+            <p:ph idx="1"/>
+          </p:nvPr>
+        </p:nvSpPr>
+        <p:spPr>
+          <a:xfrm>
+            <a:off x="2459114" y="2231165"/>
+            <a:ext cx="5166804" cy="3636511"/>
+          </a:xfrm>
+        </p:spPr>
+        <p:txBody>
+          <a:bodyPr>
+            <a:normAutofit/>
+          </a:bodyPr>
           <a:lstStyle/>
           <a:p>
-            <a:r>
-              <a:rPr lang="es-CO" sz="2800" b="1" i="1" dirty="0" err="1"/>
-              <a:t>Write</a:t>
-            </a:r>
-            <a:r>
-              <a:rPr lang="es-CO" sz="2800" b="1" i="1" dirty="0"/>
-              <a:t> </a:t>
-            </a:r>
-            <a:r>
-              <a:rPr lang="es-CO" sz="2800" b="1" i="1" dirty="0" err="1"/>
-              <a:t>Everything</a:t>
-            </a:r>
-            <a:r>
-              <a:rPr lang="es-CO" sz="2800" b="1" i="1" dirty="0"/>
-              <a:t> </a:t>
-            </a:r>
-            <a:r>
-              <a:rPr lang="es-CO" sz="2800" b="1" i="1" dirty="0" err="1"/>
-              <a:t>Twice</a:t>
-            </a:r>
-            <a:r>
-              <a:rPr lang="es-CO" sz="2800" b="1" i="1" dirty="0"/>
-              <a:t> – Escribir todo dos veces</a:t>
+            <a:pPr marL="0" indent="0">
+              <a:buNone/>
+            </a:pPr>
+            <a:r>
+              <a:rPr lang="es-CO" sz="4000" dirty="0">
+                <a:solidFill>
+                  <a:schemeClr val="accent1"/>
+                </a:solidFill>
+              </a:rPr>
+              <a:t>Ventajas</a:t>
+            </a:r>
+          </a:p>
+          <a:p>
+            <a:r>
+              <a:rPr lang="es-CO" sz="2400" dirty="0"/>
+              <a:t>Mantenibilidad del código</a:t>
+            </a:r>
+          </a:p>
+          <a:p>
+            <a:r>
+              <a:rPr lang="es-CO" sz="2400" dirty="0"/>
+              <a:t>Legibilidad</a:t>
+            </a:r>
+          </a:p>
+          <a:p>
+            <a:r>
+              <a:rPr lang="es-CO" sz="2400" dirty="0"/>
+              <a:t>Testeabilidad</a:t>
+            </a:r>
+          </a:p>
+          <a:p>
+            <a:r>
+              <a:rPr lang="es-CO" sz="2400" dirty="0"/>
+              <a:t>Reusabilidad</a:t>
             </a:r>
           </a:p>
         </p:txBody>
@@ -9096,7 +9307,7 @@
     </p:spTree>
     <p:extLst>
       <p:ext uri="{BB962C8B-B14F-4D97-AF65-F5344CB8AC3E}">
-        <p14:creationId xmlns:p14="http://schemas.microsoft.com/office/powerpoint/2010/main" val="2273129098"/>
+        <p14:creationId xmlns:p14="http://schemas.microsoft.com/office/powerpoint/2010/main" val="2812713859"/>
       </p:ext>
     </p:extLst>
   </p:cSld>
@@ -9125,149 +9336,10 @@
       </p:grpSpPr>
       <p:sp>
         <p:nvSpPr>
-          <p:cNvPr id="4" name="Título 3">
+          <p:cNvPr id="4" name="Marcador de contenido 4">
             <a:extLst>
               <a:ext uri="{FF2B5EF4-FFF2-40B4-BE49-F238E27FC236}">
-                <a16:creationId xmlns:a16="http://schemas.microsoft.com/office/drawing/2014/main" id="{0447827C-E6B0-A175-A9F2-98D382EC7689}"/>
-              </a:ext>
-            </a:extLst>
-          </p:cNvPr>
-          <p:cNvSpPr>
-            <a:spLocks noGrp="1"/>
-          </p:cNvSpPr>
-          <p:nvPr>
-            <p:ph type="title"/>
-          </p:nvPr>
-        </p:nvSpPr>
-        <p:spPr/>
-        <p:txBody>
-          <a:bodyPr/>
-          <a:lstStyle/>
-          <a:p>
-            <a:r>
-              <a:rPr lang="es-CO" dirty="0"/>
-              <a:t>WET – </a:t>
-            </a:r>
-            <a:r>
-              <a:rPr lang="es-CO" i="1" dirty="0" err="1"/>
-              <a:t>Write</a:t>
-            </a:r>
-            <a:r>
-              <a:rPr lang="es-CO" i="1" dirty="0"/>
-              <a:t> </a:t>
-            </a:r>
-            <a:r>
-              <a:rPr lang="es-CO" i="1" dirty="0" err="1"/>
-              <a:t>Everything</a:t>
-            </a:r>
-            <a:r>
-              <a:rPr lang="es-CO" i="1" dirty="0"/>
-              <a:t> </a:t>
-            </a:r>
-            <a:r>
-              <a:rPr lang="es-CO" i="1" dirty="0" err="1"/>
-              <a:t>Twice</a:t>
-            </a:r>
-            <a:endParaRPr lang="es-CO" i="1" dirty="0"/>
-          </a:p>
-        </p:txBody>
-      </p:sp>
-      <p:sp>
-        <p:nvSpPr>
-          <p:cNvPr id="5" name="Marcador de contenido 4">
-            <a:extLst>
-              <a:ext uri="{FF2B5EF4-FFF2-40B4-BE49-F238E27FC236}">
-                <a16:creationId xmlns:a16="http://schemas.microsoft.com/office/drawing/2014/main" id="{77F4C375-7A02-DFB7-A09A-31E4C3E68C9F}"/>
-              </a:ext>
-            </a:extLst>
-          </p:cNvPr>
-          <p:cNvSpPr>
-            <a:spLocks noGrp="1"/>
-          </p:cNvSpPr>
-          <p:nvPr>
-            <p:ph idx="1"/>
-          </p:nvPr>
-        </p:nvSpPr>
-        <p:spPr>
-          <a:xfrm>
-            <a:off x="4136994" y="2222287"/>
-            <a:ext cx="7705818" cy="4188525"/>
-          </a:xfrm>
-        </p:spPr>
-        <p:txBody>
-          <a:bodyPr>
-            <a:normAutofit/>
-          </a:bodyPr>
-          <a:lstStyle/>
-          <a:p>
-            <a:pPr marL="0" indent="0">
-              <a:buNone/>
-            </a:pPr>
-            <a:r>
-              <a:rPr lang="es-CO" sz="2400" dirty="0"/>
-              <a:t>Este </a:t>
-            </a:r>
-            <a:r>
-              <a:rPr lang="es-CO" sz="2400" b="1" dirty="0">
-                <a:solidFill>
-                  <a:schemeClr val="accent3"/>
-                </a:solidFill>
-              </a:rPr>
-              <a:t>anti-principio</a:t>
-            </a:r>
-            <a:r>
-              <a:rPr lang="es-CO" sz="2400" dirty="0"/>
-              <a:t> hace referencia a disfrutar mucho la escritura de código haciendo que dupliquemos el mismo.</a:t>
-            </a:r>
-          </a:p>
-          <a:p>
-            <a:pPr marL="0" indent="0">
-              <a:buNone/>
-            </a:pPr>
-            <a:endParaRPr lang="es-CO" sz="2400" dirty="0"/>
-          </a:p>
-          <a:p>
-            <a:pPr marL="0" indent="0">
-              <a:buNone/>
-            </a:pPr>
-            <a:r>
-              <a:rPr lang="es-CO" sz="2400" dirty="0"/>
-              <a:t>Es todo lo contrario al visto anteriormente </a:t>
-            </a:r>
-            <a:r>
-              <a:rPr lang="es-CO" sz="2400" b="1" dirty="0"/>
-              <a:t>(DRY)</a:t>
-            </a:r>
-          </a:p>
-          <a:p>
-            <a:pPr marL="0" indent="0">
-              <a:buNone/>
-            </a:pPr>
-            <a:endParaRPr lang="es-CO" sz="2400" b="1" dirty="0"/>
-          </a:p>
-          <a:p>
-            <a:pPr marL="0" indent="0">
-              <a:buNone/>
-            </a:pPr>
-            <a:r>
-              <a:rPr lang="es-CO" sz="2400" dirty="0"/>
-              <a:t>¡ Siempre debemos evitarlo !</a:t>
-            </a:r>
-          </a:p>
-          <a:p>
-            <a:pPr marL="0" indent="0">
-              <a:buNone/>
-            </a:pPr>
-            <a:endParaRPr lang="es-CO" sz="2400" dirty="0"/>
-          </a:p>
-        </p:txBody>
-      </p:sp>
-      <p:sp>
-        <p:nvSpPr>
-          <p:cNvPr id="6" name="Marcador de contenido 4">
-            <a:extLst>
-              <a:ext uri="{FF2B5EF4-FFF2-40B4-BE49-F238E27FC236}">
-                <a16:creationId xmlns:a16="http://schemas.microsoft.com/office/drawing/2014/main" id="{F7B352EB-1CD0-C4B1-5ADE-3EA27E127F6D}"/>
+                <a16:creationId xmlns:a16="http://schemas.microsoft.com/office/drawing/2014/main" id="{B79CB751-1C4E-EE4E-8E2E-929CCB348EE5}"/>
               </a:ext>
             </a:extLst>
           </p:cNvPr>
@@ -9278,22 +9350,15 @@
         </p:nvSpPr>
         <p:spPr>
           <a:xfrm>
-            <a:off x="349188" y="2222286"/>
-            <a:ext cx="3414944" cy="4188525"/>
+            <a:off x="3457356" y="1610744"/>
+            <a:ext cx="5277287" cy="3636511"/>
           </a:xfrm>
           <a:prstGeom prst="rect">
             <a:avLst/>
           </a:prstGeom>
-          <a:effectLst>
-            <a:outerShdw blurRad="50800" dir="14400000">
-              <a:srgbClr val="000000">
-                <a:alpha val="40000"/>
-              </a:srgbClr>
-            </a:outerShdw>
-          </a:effectLst>
         </p:spPr>
         <p:txBody>
-          <a:bodyPr vert="horz" lIns="91440" tIns="45720" rIns="91440" bIns="45720" rtlCol="0" anchor="ctr">
+          <a:bodyPr anchor="ctr">
             <a:normAutofit/>
           </a:bodyPr>
           <a:lstStyle>
@@ -9489,83 +9554,24 @@
           </a:lstStyle>
           <a:p>
             <a:pPr marL="0" indent="0" algn="ctr">
+              <a:buFont typeface="Wingdings 2" charset="2"/>
               <a:buNone/>
             </a:pPr>
             <a:r>
-              <a:rPr lang="es-CO" sz="2000" b="1" dirty="0" err="1"/>
-              <a:t>Write</a:t>
-            </a:r>
-            <a:r>
-              <a:rPr lang="es-CO" sz="2000" b="1" dirty="0"/>
-              <a:t> </a:t>
-            </a:r>
-            <a:r>
-              <a:rPr lang="es-CO" sz="2000" b="1" dirty="0" err="1"/>
-              <a:t>Everything</a:t>
-            </a:r>
-            <a:r>
-              <a:rPr lang="es-CO" sz="2000" b="1" dirty="0"/>
-              <a:t> </a:t>
-            </a:r>
-            <a:r>
-              <a:rPr lang="es-CO" sz="2000" b="1" dirty="0" err="1"/>
-              <a:t>Twice</a:t>
-            </a:r>
-            <a:endParaRPr lang="es-CO" sz="2000" b="1" dirty="0"/>
-          </a:p>
-          <a:p>
-            <a:pPr marL="0" indent="0" algn="ctr">
-              <a:buNone/>
-            </a:pPr>
-            <a:r>
-              <a:rPr lang="es-CO" sz="2000" b="1" dirty="0" err="1"/>
-              <a:t>Write</a:t>
-            </a:r>
-            <a:r>
-              <a:rPr lang="es-CO" sz="2000" b="1" dirty="0"/>
-              <a:t> </a:t>
-            </a:r>
-            <a:r>
-              <a:rPr lang="es-CO" sz="2000" b="1" dirty="0" err="1"/>
-              <a:t>Every</a:t>
-            </a:r>
-            <a:r>
-              <a:rPr lang="es-CO" sz="2000" b="1" dirty="0"/>
-              <a:t> Time</a:t>
-            </a:r>
-          </a:p>
-          <a:p>
-            <a:pPr marL="0" indent="0" algn="ctr">
-              <a:buNone/>
-            </a:pPr>
-            <a:r>
-              <a:rPr lang="es-CO" sz="2000" b="1" dirty="0" err="1"/>
-              <a:t>We</a:t>
-            </a:r>
-            <a:r>
-              <a:rPr lang="es-CO" sz="2000" b="1" dirty="0"/>
-              <a:t> </a:t>
-            </a:r>
-            <a:r>
-              <a:rPr lang="es-CO" sz="2000" b="1" dirty="0" err="1"/>
-              <a:t>Enjoy</a:t>
-            </a:r>
-            <a:r>
-              <a:rPr lang="es-CO" sz="2000" b="1" dirty="0"/>
-              <a:t> </a:t>
-            </a:r>
-            <a:r>
-              <a:rPr lang="es-CO" sz="2000" b="1" dirty="0" err="1"/>
-              <a:t>Typing</a:t>
-            </a:r>
-            <a:endParaRPr lang="es-CO" sz="2000" b="1" dirty="0"/>
+              <a:rPr lang="es-CO" sz="8000" b="1" dirty="0">
+                <a:solidFill>
+                  <a:schemeClr val="accent1"/>
+                </a:solidFill>
+              </a:rPr>
+              <a:t>Ejemplo Practico</a:t>
+            </a:r>
           </a:p>
         </p:txBody>
       </p:sp>
     </p:spTree>
     <p:extLst>
       <p:ext uri="{BB962C8B-B14F-4D97-AF65-F5344CB8AC3E}">
-        <p14:creationId xmlns:p14="http://schemas.microsoft.com/office/powerpoint/2010/main" val="418944626"/>
+        <p14:creationId xmlns:p14="http://schemas.microsoft.com/office/powerpoint/2010/main" val="3789283894"/>
       </p:ext>
     </p:extLst>
   </p:cSld>

--- a/Principios DRY, KISS, WET, YAGNI.pptx
+++ b/Principios DRY, KISS, WET, YAGNI.pptx
@@ -225,7 +225,7 @@
           <a:effectLst/>
           <a:extLst>
             <a:ext uri="{91240B29-F687-4f45-9708-019B960494DF}">
-              <a14:hiddenLine xmlns:a14="http://schemas.microsoft.com/office/drawing/2010/main" xmlns="" w="9525">
+              <a14:hiddenLine xmlns="" xmlns:a14="http://schemas.microsoft.com/office/drawing/2010/main" w="9525">
                 <a:solidFill>
                   <a:srgbClr val="000000"/>
                 </a:solidFill>
@@ -1747,7 +1747,7 @@
           <a:ln/>
           <a:extLst>
             <a:ext uri="{91240B29-F687-4f45-9708-019B960494DF}">
-              <a14:hiddenLine xmlns:a14="http://schemas.microsoft.com/office/drawing/2010/main" xmlns="" w="9525">
+              <a14:hiddenLine xmlns="" xmlns:a14="http://schemas.microsoft.com/office/drawing/2010/main" w="9525">
                 <a:solidFill>
                   <a:srgbClr val="000000"/>
                 </a:solidFill>
@@ -2022,7 +2022,7 @@
           <a:ln/>
           <a:extLst>
             <a:ext uri="{91240B29-F687-4f45-9708-019B960494DF}">
-              <a14:hiddenLine xmlns:a14="http://schemas.microsoft.com/office/drawing/2010/main" xmlns="" w="9525">
+              <a14:hiddenLine xmlns="" xmlns:a14="http://schemas.microsoft.com/office/drawing/2010/main" w="9525">
                 <a:solidFill>
                   <a:srgbClr val="000000"/>
                 </a:solidFill>
@@ -2305,7 +2305,7 @@
           <a:ln/>
           <a:extLst>
             <a:ext uri="{91240B29-F687-4f45-9708-019B960494DF}">
-              <a14:hiddenLine xmlns:a14="http://schemas.microsoft.com/office/drawing/2010/main" xmlns="" w="9525">
+              <a14:hiddenLine xmlns="" xmlns:a14="http://schemas.microsoft.com/office/drawing/2010/main" w="9525">
                 <a:solidFill>
                   <a:srgbClr val="000000"/>
                 </a:solidFill>
@@ -2931,7 +2931,7 @@
           <a:ln/>
           <a:extLst>
             <a:ext uri="{91240B29-F687-4f45-9708-019B960494DF}">
-              <a14:hiddenLine xmlns:a14="http://schemas.microsoft.com/office/drawing/2010/main" xmlns="" w="9525">
+              <a14:hiddenLine xmlns="" xmlns:a14="http://schemas.microsoft.com/office/drawing/2010/main" w="9525">
                 <a:solidFill>
                   <a:srgbClr val="000000"/>
                 </a:solidFill>
@@ -3270,7 +3270,7 @@
           <a:ln/>
           <a:extLst>
             <a:ext uri="{91240B29-F687-4f45-9708-019B960494DF}">
-              <a14:hiddenLine xmlns:a14="http://schemas.microsoft.com/office/drawing/2010/main" xmlns="" w="9525">
+              <a14:hiddenLine xmlns="" xmlns:a14="http://schemas.microsoft.com/office/drawing/2010/main" w="9525">
                 <a:solidFill>
                   <a:srgbClr val="000000"/>
                 </a:solidFill>
@@ -3747,7 +3747,7 @@
           <a:ln/>
           <a:extLst>
             <a:ext uri="{91240B29-F687-4f45-9708-019B960494DF}">
-              <a14:hiddenLine xmlns:a14="http://schemas.microsoft.com/office/drawing/2010/main" xmlns="" w="9525">
+              <a14:hiddenLine xmlns="" xmlns:a14="http://schemas.microsoft.com/office/drawing/2010/main" w="9525">
                 <a:solidFill>
                   <a:srgbClr val="000000"/>
                 </a:solidFill>
@@ -4176,7 +4176,7 @@
           <a:ln/>
           <a:extLst>
             <a:ext uri="{91240B29-F687-4f45-9708-019B960494DF}">
-              <a14:hiddenLine xmlns:a14="http://schemas.microsoft.com/office/drawing/2010/main" xmlns="" w="9525">
+              <a14:hiddenLine xmlns="" xmlns:a14="http://schemas.microsoft.com/office/drawing/2010/main" w="9525">
                 <a:solidFill>
                   <a:srgbClr val="000000"/>
                 </a:solidFill>
@@ -7406,8 +7406,28 @@
             <a:r>
               <a:rPr lang="es-CO" sz="2000" b="1" dirty="0">
                 <a:latin typeface="Consolas" panose="020B0609020204030204" pitchFamily="49" charset="0"/>
+                <a:hlinkClick r:id="rId2"/>
               </a:rPr>
               <a:t>juan.salasf@udea.edu.co</a:t>
+            </a:r>
+            <a:endParaRPr lang="es-CO" sz="2000" b="1" dirty="0">
+              <a:latin typeface="Consolas" panose="020B0609020204030204" pitchFamily="49" charset="0"/>
+            </a:endParaRPr>
+          </a:p>
+          <a:p>
+            <a:r>
+              <a:rPr lang="es-CO" sz="2000" b="1" dirty="0">
+                <a:latin typeface="Consolas" panose="020B0609020204030204" pitchFamily="49" charset="0"/>
+              </a:rPr>
+              <a:t>M 	– 16:00 – 18:00</a:t>
+            </a:r>
+          </a:p>
+          <a:p>
+            <a:r>
+              <a:rPr lang="es-CO" sz="2000" b="1" dirty="0">
+                <a:latin typeface="Consolas" panose="020B0609020204030204" pitchFamily="49" charset="0"/>
+              </a:rPr>
+              <a:t>JV 	- 14:00 -16:00</a:t>
             </a:r>
           </a:p>
         </p:txBody>
